--- a/Research/Imaging Worksheets/Silicon Characterization/light_dark_slides.pptx
+++ b/Research/Imaging Worksheets/Silicon Characterization/light_dark_slides.pptx
@@ -2,11 +2,12 @@
 <file path=ppt/presentation.xml><?xml version="1.0" encoding="utf-8"?>
 <p:presentation xmlns:a="http://schemas.openxmlformats.org/drawingml/2006/main" xmlns:r="http://schemas.openxmlformats.org/officeDocument/2006/relationships" xmlns:p="http://schemas.openxmlformats.org/presentationml/2006/main" saveSubsetFonts="1">
   <p:sldMasterIdLst>
-    <p:sldMasterId id="2147483648" r:id="rId1"/>
+    <p:sldMasterId id="2147483672" r:id="rId1"/>
   </p:sldMasterIdLst>
   <p:sldIdLst>
-    <p:sldId id="256" r:id="rId2"/>
+    <p:sldId id="258" r:id="rId2"/>
     <p:sldId id="257" r:id="rId3"/>
+    <p:sldId id="256" r:id="rId4"/>
   </p:sldIdLst>
   <p:sldSz cx="12192000" cy="6858000"/>
   <p:notesSz cx="6858000" cy="9144000"/>
@@ -105,6 +106,11 @@
       </a:defRPr>
     </a:lvl9pPr>
   </p:defaultTextStyle>
+  <p:extLst>
+    <p:ext uri="{EFAFB233-063F-42B5-8137-9DF3F51BA10A}">
+      <p15:sldGuideLst xmlns:p15="http://schemas.microsoft.com/office/powerpoint/2012/main"/>
+    </p:ext>
+  </p:extLst>
 </p:presentation>
 </file>
 
@@ -153,7 +159,7 @@
               <a:rPr lang="en-US" smtClean="0"/>
               <a:t>Click to edit Master title style</a:t>
             </a:r>
-            <a:endParaRPr lang="en-US"/>
+            <a:endParaRPr lang="en-US" dirty="0"/>
           </a:p>
         </p:txBody>
       </p:sp>
@@ -218,7 +224,7 @@
               <a:rPr lang="en-US" smtClean="0"/>
               <a:t>Click to edit Master subtitle style</a:t>
             </a:r>
-            <a:endParaRPr lang="en-US"/>
+            <a:endParaRPr lang="en-US" dirty="0"/>
           </a:p>
         </p:txBody>
       </p:sp>
@@ -239,7 +245,7 @@
           <a:p>
             <a:fld id="{B0D11DAB-1A83-4488-9562-8F1637A8BFE4}" type="datetimeFigureOut">
               <a:rPr lang="en-US" smtClean="0"/>
-              <a:t>1/5/2016</a:t>
+              <a:t>1/7/2016</a:t>
             </a:fld>
             <a:endParaRPr lang="en-US"/>
           </a:p>
@@ -290,7 +296,7 @@
     </p:spTree>
     <p:extLst>
       <p:ext uri="{BB962C8B-B14F-4D97-AF65-F5344CB8AC3E}">
-        <p14:creationId xmlns:p14="http://schemas.microsoft.com/office/powerpoint/2010/main" val="3149355838"/>
+        <p14:creationId xmlns:p14="http://schemas.microsoft.com/office/powerpoint/2010/main" val="1218341382"/>
       </p:ext>
     </p:extLst>
   </p:cSld>
@@ -336,7 +342,7 @@
               <a:rPr lang="en-US" smtClean="0"/>
               <a:t>Click to edit Master title style</a:t>
             </a:r>
-            <a:endParaRPr lang="en-US"/>
+            <a:endParaRPr lang="en-US" dirty="0"/>
           </a:p>
         </p:txBody>
       </p:sp>
@@ -388,7 +394,7 @@
               <a:rPr lang="en-US" smtClean="0"/>
               <a:t>Fifth level</a:t>
             </a:r>
-            <a:endParaRPr lang="en-US"/>
+            <a:endParaRPr lang="en-US" dirty="0"/>
           </a:p>
         </p:txBody>
       </p:sp>
@@ -409,7 +415,7 @@
           <a:p>
             <a:fld id="{B0D11DAB-1A83-4488-9562-8F1637A8BFE4}" type="datetimeFigureOut">
               <a:rPr lang="en-US" smtClean="0"/>
-              <a:t>1/5/2016</a:t>
+              <a:t>1/7/2016</a:t>
             </a:fld>
             <a:endParaRPr lang="en-US"/>
           </a:p>
@@ -460,7 +466,7 @@
     </p:spTree>
     <p:extLst>
       <p:ext uri="{BB962C8B-B14F-4D97-AF65-F5344CB8AC3E}">
-        <p14:creationId xmlns:p14="http://schemas.microsoft.com/office/powerpoint/2010/main" val="1126180523"/>
+        <p14:creationId xmlns:p14="http://schemas.microsoft.com/office/powerpoint/2010/main" val="1246939234"/>
       </p:ext>
     </p:extLst>
   </p:cSld>
@@ -511,7 +517,7 @@
               <a:rPr lang="en-US" smtClean="0"/>
               <a:t>Click to edit Master title style</a:t>
             </a:r>
-            <a:endParaRPr lang="en-US"/>
+            <a:endParaRPr lang="en-US" dirty="0"/>
           </a:p>
         </p:txBody>
       </p:sp>
@@ -568,7 +574,7 @@
               <a:rPr lang="en-US" smtClean="0"/>
               <a:t>Fifth level</a:t>
             </a:r>
-            <a:endParaRPr lang="en-US"/>
+            <a:endParaRPr lang="en-US" dirty="0"/>
           </a:p>
         </p:txBody>
       </p:sp>
@@ -589,7 +595,7 @@
           <a:p>
             <a:fld id="{B0D11DAB-1A83-4488-9562-8F1637A8BFE4}" type="datetimeFigureOut">
               <a:rPr lang="en-US" smtClean="0"/>
-              <a:t>1/5/2016</a:t>
+              <a:t>1/7/2016</a:t>
             </a:fld>
             <a:endParaRPr lang="en-US"/>
           </a:p>
@@ -640,7 +646,7 @@
     </p:spTree>
     <p:extLst>
       <p:ext uri="{BB962C8B-B14F-4D97-AF65-F5344CB8AC3E}">
-        <p14:creationId xmlns:p14="http://schemas.microsoft.com/office/powerpoint/2010/main" val="94326459"/>
+        <p14:creationId xmlns:p14="http://schemas.microsoft.com/office/powerpoint/2010/main" val="3842097486"/>
       </p:ext>
     </p:extLst>
   </p:cSld>
@@ -686,7 +692,7 @@
               <a:rPr lang="en-US" smtClean="0"/>
               <a:t>Click to edit Master title style</a:t>
             </a:r>
-            <a:endParaRPr lang="en-US"/>
+            <a:endParaRPr lang="en-US" dirty="0"/>
           </a:p>
         </p:txBody>
       </p:sp>
@@ -738,7 +744,7 @@
               <a:rPr lang="en-US" smtClean="0"/>
               <a:t>Fifth level</a:t>
             </a:r>
-            <a:endParaRPr lang="en-US"/>
+            <a:endParaRPr lang="en-US" dirty="0"/>
           </a:p>
         </p:txBody>
       </p:sp>
@@ -759,7 +765,7 @@
           <a:p>
             <a:fld id="{B0D11DAB-1A83-4488-9562-8F1637A8BFE4}" type="datetimeFigureOut">
               <a:rPr lang="en-US" smtClean="0"/>
-              <a:t>1/5/2016</a:t>
+              <a:t>1/7/2016</a:t>
             </a:fld>
             <a:endParaRPr lang="en-US"/>
           </a:p>
@@ -810,7 +816,7 @@
     </p:spTree>
     <p:extLst>
       <p:ext uri="{BB962C8B-B14F-4D97-AF65-F5344CB8AC3E}">
-        <p14:creationId xmlns:p14="http://schemas.microsoft.com/office/powerpoint/2010/main" val="3492313080"/>
+        <p14:creationId xmlns:p14="http://schemas.microsoft.com/office/powerpoint/2010/main" val="3003973592"/>
       </p:ext>
     </p:extLst>
   </p:cSld>
@@ -865,7 +871,7 @@
               <a:rPr lang="en-US" smtClean="0"/>
               <a:t>Click to edit Master title style</a:t>
             </a:r>
-            <a:endParaRPr lang="en-US"/>
+            <a:endParaRPr lang="en-US" dirty="0"/>
           </a:p>
         </p:txBody>
       </p:sp>
@@ -1005,7 +1011,7 @@
           <a:p>
             <a:fld id="{B0D11DAB-1A83-4488-9562-8F1637A8BFE4}" type="datetimeFigureOut">
               <a:rPr lang="en-US" smtClean="0"/>
-              <a:t>1/5/2016</a:t>
+              <a:t>1/7/2016</a:t>
             </a:fld>
             <a:endParaRPr lang="en-US"/>
           </a:p>
@@ -1056,7 +1062,7 @@
     </p:spTree>
     <p:extLst>
       <p:ext uri="{BB962C8B-B14F-4D97-AF65-F5344CB8AC3E}">
-        <p14:creationId xmlns:p14="http://schemas.microsoft.com/office/powerpoint/2010/main" val="3492647245"/>
+        <p14:creationId xmlns:p14="http://schemas.microsoft.com/office/powerpoint/2010/main" val="4179191730"/>
       </p:ext>
     </p:extLst>
   </p:cSld>
@@ -1102,7 +1108,7 @@
               <a:rPr lang="en-US" smtClean="0"/>
               <a:t>Click to edit Master title style</a:t>
             </a:r>
-            <a:endParaRPr lang="en-US"/>
+            <a:endParaRPr lang="en-US" dirty="0"/>
           </a:p>
         </p:txBody>
       </p:sp>
@@ -1159,7 +1165,7 @@
               <a:rPr lang="en-US" smtClean="0"/>
               <a:t>Fifth level</a:t>
             </a:r>
-            <a:endParaRPr lang="en-US"/>
+            <a:endParaRPr lang="en-US" dirty="0"/>
           </a:p>
         </p:txBody>
       </p:sp>
@@ -1216,7 +1222,7 @@
               <a:rPr lang="en-US" smtClean="0"/>
               <a:t>Fifth level</a:t>
             </a:r>
-            <a:endParaRPr lang="en-US"/>
+            <a:endParaRPr lang="en-US" dirty="0"/>
           </a:p>
         </p:txBody>
       </p:sp>
@@ -1237,7 +1243,7 @@
           <a:p>
             <a:fld id="{B0D11DAB-1A83-4488-9562-8F1637A8BFE4}" type="datetimeFigureOut">
               <a:rPr lang="en-US" smtClean="0"/>
-              <a:t>1/5/2016</a:t>
+              <a:t>1/7/2016</a:t>
             </a:fld>
             <a:endParaRPr lang="en-US"/>
           </a:p>
@@ -1288,7 +1294,7 @@
     </p:spTree>
     <p:extLst>
       <p:ext uri="{BB962C8B-B14F-4D97-AF65-F5344CB8AC3E}">
-        <p14:creationId xmlns:p14="http://schemas.microsoft.com/office/powerpoint/2010/main" val="1956630120"/>
+        <p14:creationId xmlns:p14="http://schemas.microsoft.com/office/powerpoint/2010/main" val="3465000985"/>
       </p:ext>
     </p:extLst>
   </p:cSld>
@@ -1339,7 +1345,7 @@
               <a:rPr lang="en-US" smtClean="0"/>
               <a:t>Click to edit Master title style</a:t>
             </a:r>
-            <a:endParaRPr lang="en-US"/>
+            <a:endParaRPr lang="en-US" dirty="0"/>
           </a:p>
         </p:txBody>
       </p:sp>
@@ -1461,7 +1467,7 @@
               <a:rPr lang="en-US" smtClean="0"/>
               <a:t>Fifth level</a:t>
             </a:r>
-            <a:endParaRPr lang="en-US"/>
+            <a:endParaRPr lang="en-US" dirty="0"/>
           </a:p>
         </p:txBody>
       </p:sp>
@@ -1583,7 +1589,7 @@
               <a:rPr lang="en-US" smtClean="0"/>
               <a:t>Fifth level</a:t>
             </a:r>
-            <a:endParaRPr lang="en-US"/>
+            <a:endParaRPr lang="en-US" dirty="0"/>
           </a:p>
         </p:txBody>
       </p:sp>
@@ -1604,7 +1610,7 @@
           <a:p>
             <a:fld id="{B0D11DAB-1A83-4488-9562-8F1637A8BFE4}" type="datetimeFigureOut">
               <a:rPr lang="en-US" smtClean="0"/>
-              <a:t>1/5/2016</a:t>
+              <a:t>1/7/2016</a:t>
             </a:fld>
             <a:endParaRPr lang="en-US"/>
           </a:p>
@@ -1655,7 +1661,7 @@
     </p:spTree>
     <p:extLst>
       <p:ext uri="{BB962C8B-B14F-4D97-AF65-F5344CB8AC3E}">
-        <p14:creationId xmlns:p14="http://schemas.microsoft.com/office/powerpoint/2010/main" val="352880071"/>
+        <p14:creationId xmlns:p14="http://schemas.microsoft.com/office/powerpoint/2010/main" val="1532824415"/>
       </p:ext>
     </p:extLst>
   </p:cSld>
@@ -1701,7 +1707,7 @@
               <a:rPr lang="en-US" smtClean="0"/>
               <a:t>Click to edit Master title style</a:t>
             </a:r>
-            <a:endParaRPr lang="en-US"/>
+            <a:endParaRPr lang="en-US" dirty="0"/>
           </a:p>
         </p:txBody>
       </p:sp>
@@ -1722,7 +1728,7 @@
           <a:p>
             <a:fld id="{B0D11DAB-1A83-4488-9562-8F1637A8BFE4}" type="datetimeFigureOut">
               <a:rPr lang="en-US" smtClean="0"/>
-              <a:t>1/5/2016</a:t>
+              <a:t>1/7/2016</a:t>
             </a:fld>
             <a:endParaRPr lang="en-US"/>
           </a:p>
@@ -1773,7 +1779,7 @@
     </p:spTree>
     <p:extLst>
       <p:ext uri="{BB962C8B-B14F-4D97-AF65-F5344CB8AC3E}">
-        <p14:creationId xmlns:p14="http://schemas.microsoft.com/office/powerpoint/2010/main" val="3577727579"/>
+        <p14:creationId xmlns:p14="http://schemas.microsoft.com/office/powerpoint/2010/main" val="654746814"/>
       </p:ext>
     </p:extLst>
   </p:cSld>
@@ -1817,7 +1823,7 @@
           <a:p>
             <a:fld id="{B0D11DAB-1A83-4488-9562-8F1637A8BFE4}" type="datetimeFigureOut">
               <a:rPr lang="en-US" smtClean="0"/>
-              <a:t>1/5/2016</a:t>
+              <a:t>1/7/2016</a:t>
             </a:fld>
             <a:endParaRPr lang="en-US"/>
           </a:p>
@@ -1868,7 +1874,7 @@
     </p:spTree>
     <p:extLst>
       <p:ext uri="{BB962C8B-B14F-4D97-AF65-F5344CB8AC3E}">
-        <p14:creationId xmlns:p14="http://schemas.microsoft.com/office/powerpoint/2010/main" val="667251464"/>
+        <p14:creationId xmlns:p14="http://schemas.microsoft.com/office/powerpoint/2010/main" val="3640366303"/>
       </p:ext>
     </p:extLst>
   </p:cSld>
@@ -1923,7 +1929,7 @@
               <a:rPr lang="en-US" smtClean="0"/>
               <a:t>Click to edit Master title style</a:t>
             </a:r>
-            <a:endParaRPr lang="en-US"/>
+            <a:endParaRPr lang="en-US" dirty="0"/>
           </a:p>
         </p:txBody>
       </p:sp>
@@ -2008,7 +2014,7 @@
               <a:rPr lang="en-US" smtClean="0"/>
               <a:t>Fifth level</a:t>
             </a:r>
-            <a:endParaRPr lang="en-US"/>
+            <a:endParaRPr lang="en-US" dirty="0"/>
           </a:p>
         </p:txBody>
       </p:sp>
@@ -2094,7 +2100,7 @@
           <a:p>
             <a:fld id="{B0D11DAB-1A83-4488-9562-8F1637A8BFE4}" type="datetimeFigureOut">
               <a:rPr lang="en-US" smtClean="0"/>
-              <a:t>1/5/2016</a:t>
+              <a:t>1/7/2016</a:t>
             </a:fld>
             <a:endParaRPr lang="en-US"/>
           </a:p>
@@ -2145,7 +2151,7 @@
     </p:spTree>
     <p:extLst>
       <p:ext uri="{BB962C8B-B14F-4D97-AF65-F5344CB8AC3E}">
-        <p14:creationId xmlns:p14="http://schemas.microsoft.com/office/powerpoint/2010/main" val="3542119474"/>
+        <p14:creationId xmlns:p14="http://schemas.microsoft.com/office/powerpoint/2010/main" val="2360897907"/>
       </p:ext>
     </p:extLst>
   </p:cSld>
@@ -2200,7 +2206,7 @@
               <a:rPr lang="en-US" smtClean="0"/>
               <a:t>Click to edit Master title style</a:t>
             </a:r>
-            <a:endParaRPr lang="en-US"/>
+            <a:endParaRPr lang="en-US" dirty="0"/>
           </a:p>
         </p:txBody>
       </p:sp>
@@ -2208,7 +2214,7 @@
         <p:nvSpPr>
           <p:cNvPr id="3" name="Picture Placeholder 2"/>
           <p:cNvSpPr>
-            <a:spLocks noGrp="1"/>
+            <a:spLocks noGrp="1" noChangeAspect="1"/>
           </p:cNvSpPr>
           <p:nvPr>
             <p:ph type="pic" idx="1"/>
@@ -2221,7 +2227,7 @@
           </a:xfrm>
         </p:spPr>
         <p:txBody>
-          <a:bodyPr/>
+          <a:bodyPr anchor="t"/>
           <a:lstStyle>
             <a:lvl1pPr marL="0" indent="0">
               <a:buNone/>
@@ -2261,7 +2267,11 @@
             </a:lvl9pPr>
           </a:lstStyle>
           <a:p>
-            <a:endParaRPr lang="en-US"/>
+            <a:r>
+              <a:rPr lang="en-US" smtClean="0"/>
+              <a:t>Click icon to add picture</a:t>
+            </a:r>
+            <a:endParaRPr lang="en-US" dirty="0"/>
           </a:p>
         </p:txBody>
       </p:sp>
@@ -2347,7 +2357,7 @@
           <a:p>
             <a:fld id="{B0D11DAB-1A83-4488-9562-8F1637A8BFE4}" type="datetimeFigureOut">
               <a:rPr lang="en-US" smtClean="0"/>
-              <a:t>1/5/2016</a:t>
+              <a:t>1/7/2016</a:t>
             </a:fld>
             <a:endParaRPr lang="en-US"/>
           </a:p>
@@ -2398,7 +2408,7 @@
     </p:spTree>
     <p:extLst>
       <p:ext uri="{BB962C8B-B14F-4D97-AF65-F5344CB8AC3E}">
-        <p14:creationId xmlns:p14="http://schemas.microsoft.com/office/powerpoint/2010/main" val="3282858363"/>
+        <p14:creationId xmlns:p14="http://schemas.microsoft.com/office/powerpoint/2010/main" val="451238409"/>
       </p:ext>
     </p:extLst>
   </p:cSld>
@@ -2459,7 +2469,7 @@
               <a:rPr lang="en-US" smtClean="0"/>
               <a:t>Click to edit Master title style</a:t>
             </a:r>
-            <a:endParaRPr lang="en-US"/>
+            <a:endParaRPr lang="en-US" dirty="0"/>
           </a:p>
         </p:txBody>
       </p:sp>
@@ -2521,7 +2531,7 @@
               <a:rPr lang="en-US" smtClean="0"/>
               <a:t>Fifth level</a:t>
             </a:r>
-            <a:endParaRPr lang="en-US"/>
+            <a:endParaRPr lang="en-US" dirty="0"/>
           </a:p>
         </p:txBody>
       </p:sp>
@@ -2560,7 +2570,7 @@
           <a:p>
             <a:fld id="{B0D11DAB-1A83-4488-9562-8F1637A8BFE4}" type="datetimeFigureOut">
               <a:rPr lang="en-US" smtClean="0"/>
-              <a:t>1/5/2016</a:t>
+              <a:t>1/7/2016</a:t>
             </a:fld>
             <a:endParaRPr lang="en-US"/>
           </a:p>
@@ -2647,23 +2657,23 @@
     </p:spTree>
     <p:extLst>
       <p:ext uri="{BB962C8B-B14F-4D97-AF65-F5344CB8AC3E}">
-        <p14:creationId xmlns:p14="http://schemas.microsoft.com/office/powerpoint/2010/main" val="1526511150"/>
+        <p14:creationId xmlns:p14="http://schemas.microsoft.com/office/powerpoint/2010/main" val="1154724016"/>
       </p:ext>
     </p:extLst>
   </p:cSld>
-  <p:clrMap bg1="lt1" tx1="dk1" bg2="lt2" tx2="dk2" accent1="accent1" accent2="accent2" accent3="accent3" accent4="accent4" accent5="accent5" accent6="accent6" hlink="hlink" folHlink="folHlink"/>
+  <p:clrMap bg1="dk1" tx1="lt1" bg2="dk2" tx2="lt2" accent1="accent1" accent2="accent2" accent3="accent3" accent4="accent4" accent5="accent5" accent6="accent6" hlink="hlink" folHlink="folHlink"/>
   <p:sldLayoutIdLst>
-    <p:sldLayoutId id="2147483649" r:id="rId1"/>
-    <p:sldLayoutId id="2147483650" r:id="rId2"/>
-    <p:sldLayoutId id="2147483651" r:id="rId3"/>
-    <p:sldLayoutId id="2147483652" r:id="rId4"/>
-    <p:sldLayoutId id="2147483653" r:id="rId5"/>
-    <p:sldLayoutId id="2147483654" r:id="rId6"/>
-    <p:sldLayoutId id="2147483655" r:id="rId7"/>
-    <p:sldLayoutId id="2147483656" r:id="rId8"/>
-    <p:sldLayoutId id="2147483657" r:id="rId9"/>
-    <p:sldLayoutId id="2147483658" r:id="rId10"/>
-    <p:sldLayoutId id="2147483659" r:id="rId11"/>
+    <p:sldLayoutId id="2147483673" r:id="rId1"/>
+    <p:sldLayoutId id="2147483674" r:id="rId2"/>
+    <p:sldLayoutId id="2147483675" r:id="rId3"/>
+    <p:sldLayoutId id="2147483676" r:id="rId4"/>
+    <p:sldLayoutId id="2147483677" r:id="rId5"/>
+    <p:sldLayoutId id="2147483678" r:id="rId6"/>
+    <p:sldLayoutId id="2147483679" r:id="rId7"/>
+    <p:sldLayoutId id="2147483680" r:id="rId8"/>
+    <p:sldLayoutId id="2147483681" r:id="rId9"/>
+    <p:sldLayoutId id="2147483682" r:id="rId10"/>
+    <p:sldLayoutId id="2147483683" r:id="rId11"/>
   </p:sldLayoutIdLst>
   <p:txStyles>
     <p:titleStyle>
@@ -2951,6 +2961,108 @@
 <file path=ppt/slides/slide1.xml><?xml version="1.0" encoding="utf-8"?>
 <p:sld xmlns:a="http://schemas.openxmlformats.org/drawingml/2006/main" xmlns:r="http://schemas.openxmlformats.org/officeDocument/2006/relationships" xmlns:p="http://schemas.openxmlformats.org/presentationml/2006/main">
   <p:cSld>
+    <p:spTree>
+      <p:nvGrpSpPr>
+        <p:cNvPr id="1" name=""/>
+        <p:cNvGrpSpPr/>
+        <p:nvPr/>
+      </p:nvGrpSpPr>
+      <p:grpSpPr>
+        <a:xfrm>
+          <a:off x="0" y="0"/>
+          <a:ext cx="0" cy="0"/>
+          <a:chOff x="0" y="0"/>
+          <a:chExt cx="0" cy="0"/>
+        </a:xfrm>
+      </p:grpSpPr>
+      <p:sp>
+        <p:nvSpPr>
+          <p:cNvPr id="3" name="Content Placeholder 2"/>
+          <p:cNvSpPr>
+            <a:spLocks noGrp="1"/>
+          </p:cNvSpPr>
+          <p:nvPr>
+            <p:ph idx="1"/>
+          </p:nvPr>
+        </p:nvSpPr>
+        <p:spPr/>
+        <p:txBody>
+          <a:bodyPr>
+            <a:normAutofit/>
+          </a:bodyPr>
+          <a:lstStyle/>
+          <a:p>
+            <a:pPr marL="0" indent="0" algn="ctr">
+              <a:buNone/>
+            </a:pPr>
+            <a:r>
+              <a:rPr lang="en-US" sz="28700" dirty="0" smtClean="0"/>
+              <a:t>A</a:t>
+            </a:r>
+            <a:endParaRPr lang="en-US" sz="28700" dirty="0"/>
+          </a:p>
+        </p:txBody>
+      </p:sp>
+    </p:spTree>
+    <p:extLst>
+      <p:ext uri="{BB962C8B-B14F-4D97-AF65-F5344CB8AC3E}">
+        <p14:creationId xmlns:p14="http://schemas.microsoft.com/office/powerpoint/2010/main" val="151230773"/>
+      </p:ext>
+    </p:extLst>
+  </p:cSld>
+  <p:clrMapOvr>
+    <a:masterClrMapping/>
+  </p:clrMapOvr>
+  <p:timing>
+    <p:tnLst>
+      <p:par>
+        <p:cTn id="1" dur="indefinite" restart="never" nodeType="tmRoot"/>
+      </p:par>
+    </p:tnLst>
+  </p:timing>
+</p:sld>
+</file>
+
+<file path=ppt/slides/slide2.xml><?xml version="1.0" encoding="utf-8"?>
+<p:sld xmlns:a="http://schemas.openxmlformats.org/drawingml/2006/main" xmlns:r="http://schemas.openxmlformats.org/officeDocument/2006/relationships" xmlns:p="http://schemas.openxmlformats.org/presentationml/2006/main">
+  <p:cSld>
+    <p:spTree>
+      <p:nvGrpSpPr>
+        <p:cNvPr id="1" name=""/>
+        <p:cNvGrpSpPr/>
+        <p:nvPr/>
+      </p:nvGrpSpPr>
+      <p:grpSpPr>
+        <a:xfrm>
+          <a:off x="0" y="0"/>
+          <a:ext cx="0" cy="0"/>
+          <a:chOff x="0" y="0"/>
+          <a:chExt cx="0" cy="0"/>
+        </a:xfrm>
+      </p:grpSpPr>
+    </p:spTree>
+    <p:extLst>
+      <p:ext uri="{BB962C8B-B14F-4D97-AF65-F5344CB8AC3E}">
+        <p14:creationId xmlns:p14="http://schemas.microsoft.com/office/powerpoint/2010/main" val="2513062997"/>
+      </p:ext>
+    </p:extLst>
+  </p:cSld>
+  <p:clrMapOvr>
+    <a:masterClrMapping/>
+  </p:clrMapOvr>
+  <p:timing>
+    <p:tnLst>
+      <p:par>
+        <p:cTn id="1" dur="indefinite" restart="never" nodeType="tmRoot"/>
+      </p:par>
+    </p:tnLst>
+  </p:timing>
+</p:sld>
+</file>
+
+<file path=ppt/slides/slide3.xml><?xml version="1.0" encoding="utf-8"?>
+<p:sld xmlns:a="http://schemas.openxmlformats.org/drawingml/2006/main" xmlns:r="http://schemas.openxmlformats.org/officeDocument/2006/relationships" xmlns:p="http://schemas.openxmlformats.org/presentationml/2006/main">
+  <p:cSld>
     <p:bg>
       <p:bgPr>
         <a:solidFill>
@@ -2983,43 +3095,20 @@
   <p:clrMapOvr>
     <a:masterClrMapping/>
   </p:clrMapOvr>
-</p:sld>
-</file>
-
-<file path=ppt/slides/slide2.xml><?xml version="1.0" encoding="utf-8"?>
-<p:sld xmlns:a="http://schemas.openxmlformats.org/drawingml/2006/main" xmlns:r="http://schemas.openxmlformats.org/officeDocument/2006/relationships" xmlns:p="http://schemas.openxmlformats.org/presentationml/2006/main">
-  <p:cSld>
-    <p:spTree>
-      <p:nvGrpSpPr>
-        <p:cNvPr id="1" name=""/>
-        <p:cNvGrpSpPr/>
-        <p:nvPr/>
-      </p:nvGrpSpPr>
-      <p:grpSpPr>
-        <a:xfrm>
-          <a:off x="0" y="0"/>
-          <a:ext cx="0" cy="0"/>
-          <a:chOff x="0" y="0"/>
-          <a:chExt cx="0" cy="0"/>
-        </a:xfrm>
-      </p:grpSpPr>
-    </p:spTree>
-    <p:extLst>
-      <p:ext uri="{BB962C8B-B14F-4D97-AF65-F5344CB8AC3E}">
-        <p14:creationId xmlns:p14="http://schemas.microsoft.com/office/powerpoint/2010/main" val="2513062997"/>
-      </p:ext>
-    </p:extLst>
-  </p:cSld>
-  <p:clrMapOvr>
-    <a:masterClrMapping/>
-  </p:clrMapOvr>
+  <p:timing>
+    <p:tnLst>
+      <p:par>
+        <p:cTn id="1" dur="indefinite" restart="never" nodeType="tmRoot"/>
+      </p:par>
+    </p:tnLst>
+  </p:timing>
 </p:sld>
 </file>
 
 <file path=ppt/theme/theme1.xml><?xml version="1.0" encoding="utf-8"?>
 <a:theme xmlns:a="http://schemas.openxmlformats.org/drawingml/2006/main" name="Office Theme">
   <a:themeElements>
-    <a:clrScheme name="Office">
+    <a:clrScheme name="Office Theme">
       <a:dk1>
         <a:sysClr val="windowText" lastClr="000000"/>
       </a:dk1>
@@ -3033,22 +3122,22 @@
         <a:srgbClr val="E7E6E6"/>
       </a:lt2>
       <a:accent1>
-        <a:srgbClr val="5B9BD5"/>
+        <a:srgbClr val="29AF8C"/>
       </a:accent1>
       <a:accent2>
-        <a:srgbClr val="ED7D31"/>
+        <a:srgbClr val="97BE49"/>
       </a:accent2>
       <a:accent3>
-        <a:srgbClr val="A5A5A5"/>
+        <a:srgbClr val="3D9CCC"/>
       </a:accent3>
       <a:accent4>
-        <a:srgbClr val="FFC000"/>
+        <a:srgbClr val="7C60C6"/>
       </a:accent4>
       <a:accent5>
-        <a:srgbClr val="4472C4"/>
+        <a:srgbClr val="C9492C"/>
       </a:accent5>
       <a:accent6>
-        <a:srgbClr val="70AD47"/>
+        <a:srgbClr val="D58C2E"/>
       </a:accent6>
       <a:hlink>
         <a:srgbClr val="0563C1"/>
@@ -3057,7 +3146,7 @@
         <a:srgbClr val="954F72"/>
       </a:folHlink>
     </a:clrScheme>
-    <a:fontScheme name="Office">
+    <a:fontScheme name="Office Theme">
       <a:majorFont>
         <a:latin typeface="Calibri Light" panose="020F0302020204030204"/>
         <a:ea typeface=""/>
@@ -3129,7 +3218,7 @@
         <a:font script="Geor" typeface="Sylfaen"/>
       </a:minorFont>
     </a:fontScheme>
-    <a:fmtScheme name="Office">
+    <a:fmtScheme name="Office Theme">
       <a:fillStyleLst>
         <a:solidFill>
           <a:schemeClr val="phClr"/>
@@ -3271,7 +3360,7 @@
   <a:extraClrSchemeLst/>
   <a:extLst>
     <a:ext uri="{05A4C25C-085E-4340-85A3-A5531E510DB2}">
-      <thm15:themeFamily xmlns:thm15="http://schemas.microsoft.com/office/thememl/2012/main" name="Office Theme" id="{62F939B6-93AF-4DB8-9C6B-D6C7DFDC589F}" vid="{4A3C46E8-61CC-4603-A589-7422A47A8E4A}"/>
+      <thm15:themeFamily xmlns:thm15="http://schemas.microsoft.com/office/thememl/2012/main" name="Office Theme" id="{62F939B6-93AF-4DB8-9C6B-D6C7DFDC589F}" vid="{3E4F19A7-A959-40BB-972C-4880BAF8EB09}"/>
     </a:ext>
   </a:extLst>
 </a:theme>

--- a/Research/Imaging Worksheets/Silicon Characterization/light_dark_slides.pptx
+++ b/Research/Imaging Worksheets/Silicon Characterization/light_dark_slides.pptx
@@ -8,6 +8,14 @@
     <p:sldId id="258" r:id="rId2"/>
     <p:sldId id="257" r:id="rId3"/>
     <p:sldId id="256" r:id="rId4"/>
+    <p:sldId id="259" r:id="rId5"/>
+    <p:sldId id="260" r:id="rId6"/>
+    <p:sldId id="261" r:id="rId7"/>
+    <p:sldId id="262" r:id="rId8"/>
+    <p:sldId id="263" r:id="rId9"/>
+    <p:sldId id="264" r:id="rId10"/>
+    <p:sldId id="265" r:id="rId11"/>
+    <p:sldId id="266" r:id="rId12"/>
   </p:sldIdLst>
   <p:sldSz cx="12192000" cy="6858000"/>
   <p:notesSz cx="6858000" cy="9144000"/>
@@ -245,7 +253,7 @@
           <a:p>
             <a:fld id="{B0D11DAB-1A83-4488-9562-8F1637A8BFE4}" type="datetimeFigureOut">
               <a:rPr lang="en-US" smtClean="0"/>
-              <a:t>1/7/2016</a:t>
+              <a:t>1/13/2016</a:t>
             </a:fld>
             <a:endParaRPr lang="en-US"/>
           </a:p>
@@ -415,7 +423,7 @@
           <a:p>
             <a:fld id="{B0D11DAB-1A83-4488-9562-8F1637A8BFE4}" type="datetimeFigureOut">
               <a:rPr lang="en-US" smtClean="0"/>
-              <a:t>1/7/2016</a:t>
+              <a:t>1/13/2016</a:t>
             </a:fld>
             <a:endParaRPr lang="en-US"/>
           </a:p>
@@ -595,7 +603,7 @@
           <a:p>
             <a:fld id="{B0D11DAB-1A83-4488-9562-8F1637A8BFE4}" type="datetimeFigureOut">
               <a:rPr lang="en-US" smtClean="0"/>
-              <a:t>1/7/2016</a:t>
+              <a:t>1/13/2016</a:t>
             </a:fld>
             <a:endParaRPr lang="en-US"/>
           </a:p>
@@ -765,7 +773,7 @@
           <a:p>
             <a:fld id="{B0D11DAB-1A83-4488-9562-8F1637A8BFE4}" type="datetimeFigureOut">
               <a:rPr lang="en-US" smtClean="0"/>
-              <a:t>1/7/2016</a:t>
+              <a:t>1/13/2016</a:t>
             </a:fld>
             <a:endParaRPr lang="en-US"/>
           </a:p>
@@ -1011,7 +1019,7 @@
           <a:p>
             <a:fld id="{B0D11DAB-1A83-4488-9562-8F1637A8BFE4}" type="datetimeFigureOut">
               <a:rPr lang="en-US" smtClean="0"/>
-              <a:t>1/7/2016</a:t>
+              <a:t>1/13/2016</a:t>
             </a:fld>
             <a:endParaRPr lang="en-US"/>
           </a:p>
@@ -1243,7 +1251,7 @@
           <a:p>
             <a:fld id="{B0D11DAB-1A83-4488-9562-8F1637A8BFE4}" type="datetimeFigureOut">
               <a:rPr lang="en-US" smtClean="0"/>
-              <a:t>1/7/2016</a:t>
+              <a:t>1/13/2016</a:t>
             </a:fld>
             <a:endParaRPr lang="en-US"/>
           </a:p>
@@ -1610,7 +1618,7 @@
           <a:p>
             <a:fld id="{B0D11DAB-1A83-4488-9562-8F1637A8BFE4}" type="datetimeFigureOut">
               <a:rPr lang="en-US" smtClean="0"/>
-              <a:t>1/7/2016</a:t>
+              <a:t>1/13/2016</a:t>
             </a:fld>
             <a:endParaRPr lang="en-US"/>
           </a:p>
@@ -1728,7 +1736,7 @@
           <a:p>
             <a:fld id="{B0D11DAB-1A83-4488-9562-8F1637A8BFE4}" type="datetimeFigureOut">
               <a:rPr lang="en-US" smtClean="0"/>
-              <a:t>1/7/2016</a:t>
+              <a:t>1/13/2016</a:t>
             </a:fld>
             <a:endParaRPr lang="en-US"/>
           </a:p>
@@ -1823,7 +1831,7 @@
           <a:p>
             <a:fld id="{B0D11DAB-1A83-4488-9562-8F1637A8BFE4}" type="datetimeFigureOut">
               <a:rPr lang="en-US" smtClean="0"/>
-              <a:t>1/7/2016</a:t>
+              <a:t>1/13/2016</a:t>
             </a:fld>
             <a:endParaRPr lang="en-US"/>
           </a:p>
@@ -2100,7 +2108,7 @@
           <a:p>
             <a:fld id="{B0D11DAB-1A83-4488-9562-8F1637A8BFE4}" type="datetimeFigureOut">
               <a:rPr lang="en-US" smtClean="0"/>
-              <a:t>1/7/2016</a:t>
+              <a:t>1/13/2016</a:t>
             </a:fld>
             <a:endParaRPr lang="en-US"/>
           </a:p>
@@ -2357,7 +2365,7 @@
           <a:p>
             <a:fld id="{B0D11DAB-1A83-4488-9562-8F1637A8BFE4}" type="datetimeFigureOut">
               <a:rPr lang="en-US" smtClean="0"/>
-              <a:t>1/7/2016</a:t>
+              <a:t>1/13/2016</a:t>
             </a:fld>
             <a:endParaRPr lang="en-US"/>
           </a:p>
@@ -2570,7 +2578,7 @@
           <a:p>
             <a:fld id="{B0D11DAB-1A83-4488-9562-8F1637A8BFE4}" type="datetimeFigureOut">
               <a:rPr lang="en-US" smtClean="0"/>
-              <a:t>1/7/2016</a:t>
+              <a:t>1/13/2016</a:t>
             </a:fld>
             <a:endParaRPr lang="en-US"/>
           </a:p>
@@ -3023,6 +3031,162 @@
 </p:sld>
 </file>
 
+<file path=ppt/slides/slide10.xml><?xml version="1.0" encoding="utf-8"?>
+<p:sld xmlns:a="http://schemas.openxmlformats.org/drawingml/2006/main" xmlns:r="http://schemas.openxmlformats.org/officeDocument/2006/relationships" xmlns:p="http://schemas.openxmlformats.org/presentationml/2006/main">
+  <p:cSld>
+    <p:spTree>
+      <p:nvGrpSpPr>
+        <p:cNvPr id="1" name=""/>
+        <p:cNvGrpSpPr/>
+        <p:nvPr/>
+      </p:nvGrpSpPr>
+      <p:grpSpPr>
+        <a:xfrm>
+          <a:off x="0" y="0"/>
+          <a:ext cx="0" cy="0"/>
+          <a:chOff x="0" y="0"/>
+          <a:chExt cx="0" cy="0"/>
+        </a:xfrm>
+      </p:grpSpPr>
+      <p:sp>
+        <p:nvSpPr>
+          <p:cNvPr id="4" name="Rectangle 3"/>
+          <p:cNvSpPr>
+            <a:spLocks noChangeAspect="1"/>
+          </p:cNvSpPr>
+          <p:nvPr/>
+        </p:nvSpPr>
+        <p:spPr>
+          <a:xfrm>
+            <a:off x="6050280" y="3383280"/>
+            <a:ext cx="103144" cy="103144"/>
+          </a:xfrm>
+          <a:prstGeom prst="rect">
+            <a:avLst/>
+          </a:prstGeom>
+          <a:ln/>
+        </p:spPr>
+        <p:style>
+          <a:lnRef idx="2">
+            <a:schemeClr val="dk1"/>
+          </a:lnRef>
+          <a:fillRef idx="1">
+            <a:schemeClr val="lt1"/>
+          </a:fillRef>
+          <a:effectRef idx="0">
+            <a:schemeClr val="dk1"/>
+          </a:effectRef>
+          <a:fontRef idx="minor">
+            <a:schemeClr val="dk1"/>
+          </a:fontRef>
+        </p:style>
+        <p:txBody>
+          <a:bodyPr rtlCol="0" anchor="ctr"/>
+          <a:lstStyle/>
+          <a:p>
+            <a:pPr algn="ctr"/>
+            <a:endParaRPr lang="en-US" dirty="0"/>
+          </a:p>
+        </p:txBody>
+      </p:sp>
+    </p:spTree>
+    <p:extLst>
+      <p:ext uri="{BB962C8B-B14F-4D97-AF65-F5344CB8AC3E}">
+        <p14:creationId xmlns:p14="http://schemas.microsoft.com/office/powerpoint/2010/main" val="293982746"/>
+      </p:ext>
+    </p:extLst>
+  </p:cSld>
+  <p:clrMapOvr>
+    <a:masterClrMapping/>
+  </p:clrMapOvr>
+  <p:timing>
+    <p:tnLst>
+      <p:par>
+        <p:cTn id="1" dur="indefinite" restart="never" nodeType="tmRoot"/>
+      </p:par>
+    </p:tnLst>
+  </p:timing>
+</p:sld>
+</file>
+
+<file path=ppt/slides/slide11.xml><?xml version="1.0" encoding="utf-8"?>
+<p:sld xmlns:a="http://schemas.openxmlformats.org/drawingml/2006/main" xmlns:r="http://schemas.openxmlformats.org/officeDocument/2006/relationships" xmlns:p="http://schemas.openxmlformats.org/presentationml/2006/main">
+  <p:cSld>
+    <p:spTree>
+      <p:nvGrpSpPr>
+        <p:cNvPr id="1" name=""/>
+        <p:cNvGrpSpPr/>
+        <p:nvPr/>
+      </p:nvGrpSpPr>
+      <p:grpSpPr>
+        <a:xfrm>
+          <a:off x="0" y="0"/>
+          <a:ext cx="0" cy="0"/>
+          <a:chOff x="0" y="0"/>
+          <a:chExt cx="0" cy="0"/>
+        </a:xfrm>
+      </p:grpSpPr>
+      <p:sp>
+        <p:nvSpPr>
+          <p:cNvPr id="4" name="Rectangle 3"/>
+          <p:cNvSpPr>
+            <a:spLocks noChangeAspect="1"/>
+          </p:cNvSpPr>
+          <p:nvPr/>
+        </p:nvSpPr>
+        <p:spPr>
+          <a:xfrm>
+            <a:off x="6068568" y="3401568"/>
+            <a:ext cx="51572" cy="51572"/>
+          </a:xfrm>
+          <a:prstGeom prst="rect">
+            <a:avLst/>
+          </a:prstGeom>
+          <a:ln/>
+        </p:spPr>
+        <p:style>
+          <a:lnRef idx="2">
+            <a:schemeClr val="dk1"/>
+          </a:lnRef>
+          <a:fillRef idx="1">
+            <a:schemeClr val="lt1"/>
+          </a:fillRef>
+          <a:effectRef idx="0">
+            <a:schemeClr val="dk1"/>
+          </a:effectRef>
+          <a:fontRef idx="minor">
+            <a:schemeClr val="dk1"/>
+          </a:fontRef>
+        </p:style>
+        <p:txBody>
+          <a:bodyPr rtlCol="0" anchor="ctr"/>
+          <a:lstStyle/>
+          <a:p>
+            <a:pPr algn="ctr"/>
+            <a:endParaRPr lang="en-US" dirty="0"/>
+          </a:p>
+        </p:txBody>
+      </p:sp>
+    </p:spTree>
+    <p:extLst>
+      <p:ext uri="{BB962C8B-B14F-4D97-AF65-F5344CB8AC3E}">
+        <p14:creationId xmlns:p14="http://schemas.microsoft.com/office/powerpoint/2010/main" val="1997918889"/>
+      </p:ext>
+    </p:extLst>
+  </p:cSld>
+  <p:clrMapOvr>
+    <a:masterClrMapping/>
+  </p:clrMapOvr>
+  <p:timing>
+    <p:tnLst>
+      <p:par>
+        <p:cTn id="1" dur="indefinite" restart="never" nodeType="tmRoot"/>
+      </p:par>
+    </p:tnLst>
+  </p:timing>
+</p:sld>
+</file>
+
 <file path=ppt/slides/slide2.xml><?xml version="1.0" encoding="utf-8"?>
 <p:sld xmlns:a="http://schemas.openxmlformats.org/drawingml/2006/main" xmlns:r="http://schemas.openxmlformats.org/officeDocument/2006/relationships" xmlns:p="http://schemas.openxmlformats.org/presentationml/2006/main">
   <p:cSld>
@@ -3089,6 +3253,474 @@
     <p:extLst>
       <p:ext uri="{BB962C8B-B14F-4D97-AF65-F5344CB8AC3E}">
         <p14:creationId xmlns:p14="http://schemas.microsoft.com/office/powerpoint/2010/main" val="2961923182"/>
+      </p:ext>
+    </p:extLst>
+  </p:cSld>
+  <p:clrMapOvr>
+    <a:masterClrMapping/>
+  </p:clrMapOvr>
+  <p:timing>
+    <p:tnLst>
+      <p:par>
+        <p:cTn id="1" dur="indefinite" restart="never" nodeType="tmRoot"/>
+      </p:par>
+    </p:tnLst>
+  </p:timing>
+</p:sld>
+</file>
+
+<file path=ppt/slides/slide4.xml><?xml version="1.0" encoding="utf-8"?>
+<p:sld xmlns:a="http://schemas.openxmlformats.org/drawingml/2006/main" xmlns:r="http://schemas.openxmlformats.org/officeDocument/2006/relationships" xmlns:p="http://schemas.openxmlformats.org/presentationml/2006/main">
+  <p:cSld>
+    <p:spTree>
+      <p:nvGrpSpPr>
+        <p:cNvPr id="1" name=""/>
+        <p:cNvGrpSpPr/>
+        <p:nvPr/>
+      </p:nvGrpSpPr>
+      <p:grpSpPr>
+        <a:xfrm>
+          <a:off x="0" y="0"/>
+          <a:ext cx="0" cy="0"/>
+          <a:chOff x="0" y="0"/>
+          <a:chExt cx="0" cy="0"/>
+        </a:xfrm>
+      </p:grpSpPr>
+      <p:sp>
+        <p:nvSpPr>
+          <p:cNvPr id="4" name="Rectangle 3"/>
+          <p:cNvSpPr>
+            <a:spLocks noChangeAspect="1"/>
+          </p:cNvSpPr>
+          <p:nvPr/>
+        </p:nvSpPr>
+        <p:spPr>
+          <a:xfrm>
+            <a:off x="2667000" y="0"/>
+            <a:ext cx="6858000" cy="6858000"/>
+          </a:xfrm>
+          <a:prstGeom prst="rect">
+            <a:avLst/>
+          </a:prstGeom>
+          <a:ln/>
+        </p:spPr>
+        <p:style>
+          <a:lnRef idx="2">
+            <a:schemeClr val="dk1"/>
+          </a:lnRef>
+          <a:fillRef idx="1">
+            <a:schemeClr val="lt1"/>
+          </a:fillRef>
+          <a:effectRef idx="0">
+            <a:schemeClr val="dk1"/>
+          </a:effectRef>
+          <a:fontRef idx="minor">
+            <a:schemeClr val="dk1"/>
+          </a:fontRef>
+        </p:style>
+        <p:txBody>
+          <a:bodyPr rtlCol="0" anchor="ctr"/>
+          <a:lstStyle/>
+          <a:p>
+            <a:pPr algn="ctr"/>
+            <a:endParaRPr lang="en-US"/>
+          </a:p>
+        </p:txBody>
+      </p:sp>
+    </p:spTree>
+    <p:extLst>
+      <p:ext uri="{BB962C8B-B14F-4D97-AF65-F5344CB8AC3E}">
+        <p14:creationId xmlns:p14="http://schemas.microsoft.com/office/powerpoint/2010/main" val="937580047"/>
+      </p:ext>
+    </p:extLst>
+  </p:cSld>
+  <p:clrMapOvr>
+    <a:masterClrMapping/>
+  </p:clrMapOvr>
+  <p:timing>
+    <p:tnLst>
+      <p:par>
+        <p:cTn id="1" dur="indefinite" restart="never" nodeType="tmRoot"/>
+      </p:par>
+    </p:tnLst>
+  </p:timing>
+</p:sld>
+</file>
+
+<file path=ppt/slides/slide5.xml><?xml version="1.0" encoding="utf-8"?>
+<p:sld xmlns:a="http://schemas.openxmlformats.org/drawingml/2006/main" xmlns:r="http://schemas.openxmlformats.org/officeDocument/2006/relationships" xmlns:p="http://schemas.openxmlformats.org/presentationml/2006/main">
+  <p:cSld>
+    <p:spTree>
+      <p:nvGrpSpPr>
+        <p:cNvPr id="1" name=""/>
+        <p:cNvGrpSpPr/>
+        <p:nvPr/>
+      </p:nvGrpSpPr>
+      <p:grpSpPr>
+        <a:xfrm>
+          <a:off x="0" y="0"/>
+          <a:ext cx="0" cy="0"/>
+          <a:chOff x="0" y="0"/>
+          <a:chExt cx="0" cy="0"/>
+        </a:xfrm>
+      </p:grpSpPr>
+      <p:sp>
+        <p:nvSpPr>
+          <p:cNvPr id="4" name="Rectangle 3"/>
+          <p:cNvSpPr>
+            <a:spLocks noChangeAspect="1"/>
+          </p:cNvSpPr>
+          <p:nvPr/>
+        </p:nvSpPr>
+        <p:spPr>
+          <a:xfrm>
+            <a:off x="4376928" y="1709928"/>
+            <a:ext cx="3429000" cy="3429000"/>
+          </a:xfrm>
+          <a:prstGeom prst="rect">
+            <a:avLst/>
+          </a:prstGeom>
+          <a:ln/>
+        </p:spPr>
+        <p:style>
+          <a:lnRef idx="2">
+            <a:schemeClr val="dk1"/>
+          </a:lnRef>
+          <a:fillRef idx="1">
+            <a:schemeClr val="lt1"/>
+          </a:fillRef>
+          <a:effectRef idx="0">
+            <a:schemeClr val="dk1"/>
+          </a:effectRef>
+          <a:fontRef idx="minor">
+            <a:schemeClr val="dk1"/>
+          </a:fontRef>
+        </p:style>
+        <p:txBody>
+          <a:bodyPr rtlCol="0" anchor="ctr"/>
+          <a:lstStyle/>
+          <a:p>
+            <a:pPr algn="ctr"/>
+            <a:endParaRPr lang="en-US"/>
+          </a:p>
+        </p:txBody>
+      </p:sp>
+    </p:spTree>
+    <p:extLst>
+      <p:ext uri="{BB962C8B-B14F-4D97-AF65-F5344CB8AC3E}">
+        <p14:creationId xmlns:p14="http://schemas.microsoft.com/office/powerpoint/2010/main" val="241569596"/>
+      </p:ext>
+    </p:extLst>
+  </p:cSld>
+  <p:clrMapOvr>
+    <a:masterClrMapping/>
+  </p:clrMapOvr>
+  <p:timing>
+    <p:tnLst>
+      <p:par>
+        <p:cTn id="1" dur="indefinite" restart="never" nodeType="tmRoot"/>
+      </p:par>
+    </p:tnLst>
+  </p:timing>
+</p:sld>
+</file>
+
+<file path=ppt/slides/slide6.xml><?xml version="1.0" encoding="utf-8"?>
+<p:sld xmlns:a="http://schemas.openxmlformats.org/drawingml/2006/main" xmlns:r="http://schemas.openxmlformats.org/officeDocument/2006/relationships" xmlns:p="http://schemas.openxmlformats.org/presentationml/2006/main">
+  <p:cSld>
+    <p:spTree>
+      <p:nvGrpSpPr>
+        <p:cNvPr id="1" name=""/>
+        <p:cNvGrpSpPr/>
+        <p:nvPr/>
+      </p:nvGrpSpPr>
+      <p:grpSpPr>
+        <a:xfrm>
+          <a:off x="0" y="0"/>
+          <a:ext cx="0" cy="0"/>
+          <a:chOff x="0" y="0"/>
+          <a:chExt cx="0" cy="0"/>
+        </a:xfrm>
+      </p:grpSpPr>
+      <p:sp>
+        <p:nvSpPr>
+          <p:cNvPr id="4" name="Rectangle 3"/>
+          <p:cNvSpPr>
+            <a:spLocks noChangeAspect="1"/>
+          </p:cNvSpPr>
+          <p:nvPr/>
+        </p:nvSpPr>
+        <p:spPr>
+          <a:xfrm>
+            <a:off x="5236464" y="2569464"/>
+            <a:ext cx="1719072" cy="1719072"/>
+          </a:xfrm>
+          <a:prstGeom prst="rect">
+            <a:avLst/>
+          </a:prstGeom>
+          <a:ln/>
+        </p:spPr>
+        <p:style>
+          <a:lnRef idx="2">
+            <a:schemeClr val="dk1"/>
+          </a:lnRef>
+          <a:fillRef idx="1">
+            <a:schemeClr val="lt1"/>
+          </a:fillRef>
+          <a:effectRef idx="0">
+            <a:schemeClr val="dk1"/>
+          </a:effectRef>
+          <a:fontRef idx="minor">
+            <a:schemeClr val="dk1"/>
+          </a:fontRef>
+        </p:style>
+        <p:txBody>
+          <a:bodyPr rtlCol="0" anchor="ctr"/>
+          <a:lstStyle/>
+          <a:p>
+            <a:pPr algn="ctr"/>
+            <a:endParaRPr lang="en-US"/>
+          </a:p>
+        </p:txBody>
+      </p:sp>
+    </p:spTree>
+    <p:extLst>
+      <p:ext uri="{BB962C8B-B14F-4D97-AF65-F5344CB8AC3E}">
+        <p14:creationId xmlns:p14="http://schemas.microsoft.com/office/powerpoint/2010/main" val="2663559337"/>
+      </p:ext>
+    </p:extLst>
+  </p:cSld>
+  <p:clrMapOvr>
+    <a:masterClrMapping/>
+  </p:clrMapOvr>
+  <p:timing>
+    <p:tnLst>
+      <p:par>
+        <p:cTn id="1" dur="indefinite" restart="never" nodeType="tmRoot"/>
+      </p:par>
+    </p:tnLst>
+  </p:timing>
+</p:sld>
+</file>
+
+<file path=ppt/slides/slide7.xml><?xml version="1.0" encoding="utf-8"?>
+<p:sld xmlns:a="http://schemas.openxmlformats.org/drawingml/2006/main" xmlns:r="http://schemas.openxmlformats.org/officeDocument/2006/relationships" xmlns:p="http://schemas.openxmlformats.org/presentationml/2006/main">
+  <p:cSld>
+    <p:spTree>
+      <p:nvGrpSpPr>
+        <p:cNvPr id="1" name=""/>
+        <p:cNvGrpSpPr/>
+        <p:nvPr/>
+      </p:nvGrpSpPr>
+      <p:grpSpPr>
+        <a:xfrm>
+          <a:off x="0" y="0"/>
+          <a:ext cx="0" cy="0"/>
+          <a:chOff x="0" y="0"/>
+          <a:chExt cx="0" cy="0"/>
+        </a:xfrm>
+      </p:grpSpPr>
+      <p:sp>
+        <p:nvSpPr>
+          <p:cNvPr id="4" name="Rectangle 3"/>
+          <p:cNvSpPr>
+            <a:spLocks noChangeAspect="1"/>
+          </p:cNvSpPr>
+          <p:nvPr/>
+        </p:nvSpPr>
+        <p:spPr>
+          <a:xfrm>
+            <a:off x="5666232" y="2999232"/>
+            <a:ext cx="859536" cy="859536"/>
+          </a:xfrm>
+          <a:prstGeom prst="rect">
+            <a:avLst/>
+          </a:prstGeom>
+          <a:ln/>
+        </p:spPr>
+        <p:style>
+          <a:lnRef idx="2">
+            <a:schemeClr val="dk1"/>
+          </a:lnRef>
+          <a:fillRef idx="1">
+            <a:schemeClr val="lt1"/>
+          </a:fillRef>
+          <a:effectRef idx="0">
+            <a:schemeClr val="dk1"/>
+          </a:effectRef>
+          <a:fontRef idx="minor">
+            <a:schemeClr val="dk1"/>
+          </a:fontRef>
+        </p:style>
+        <p:txBody>
+          <a:bodyPr rtlCol="0" anchor="ctr"/>
+          <a:lstStyle/>
+          <a:p>
+            <a:pPr algn="ctr"/>
+            <a:endParaRPr lang="en-US"/>
+          </a:p>
+        </p:txBody>
+      </p:sp>
+    </p:spTree>
+    <p:extLst>
+      <p:ext uri="{BB962C8B-B14F-4D97-AF65-F5344CB8AC3E}">
+        <p14:creationId xmlns:p14="http://schemas.microsoft.com/office/powerpoint/2010/main" val="4140750178"/>
+      </p:ext>
+    </p:extLst>
+  </p:cSld>
+  <p:clrMapOvr>
+    <a:masterClrMapping/>
+  </p:clrMapOvr>
+  <p:timing>
+    <p:tnLst>
+      <p:par>
+        <p:cTn id="1" dur="indefinite" restart="never" nodeType="tmRoot"/>
+      </p:par>
+    </p:tnLst>
+  </p:timing>
+</p:sld>
+</file>
+
+<file path=ppt/slides/slide8.xml><?xml version="1.0" encoding="utf-8"?>
+<p:sld xmlns:a="http://schemas.openxmlformats.org/drawingml/2006/main" xmlns:r="http://schemas.openxmlformats.org/officeDocument/2006/relationships" xmlns:p="http://schemas.openxmlformats.org/presentationml/2006/main">
+  <p:cSld>
+    <p:spTree>
+      <p:nvGrpSpPr>
+        <p:cNvPr id="1" name=""/>
+        <p:cNvGrpSpPr/>
+        <p:nvPr/>
+      </p:nvGrpSpPr>
+      <p:grpSpPr>
+        <a:xfrm>
+          <a:off x="0" y="0"/>
+          <a:ext cx="0" cy="0"/>
+          <a:chOff x="0" y="0"/>
+          <a:chExt cx="0" cy="0"/>
+        </a:xfrm>
+      </p:grpSpPr>
+      <p:sp>
+        <p:nvSpPr>
+          <p:cNvPr id="4" name="Rectangle 3"/>
+          <p:cNvSpPr>
+            <a:spLocks noChangeAspect="1"/>
+          </p:cNvSpPr>
+          <p:nvPr/>
+        </p:nvSpPr>
+        <p:spPr>
+          <a:xfrm>
+            <a:off x="5876544" y="3209544"/>
+            <a:ext cx="429768" cy="429768"/>
+          </a:xfrm>
+          <a:prstGeom prst="rect">
+            <a:avLst/>
+          </a:prstGeom>
+          <a:ln/>
+        </p:spPr>
+        <p:style>
+          <a:lnRef idx="2">
+            <a:schemeClr val="dk1"/>
+          </a:lnRef>
+          <a:fillRef idx="1">
+            <a:schemeClr val="lt1"/>
+          </a:fillRef>
+          <a:effectRef idx="0">
+            <a:schemeClr val="dk1"/>
+          </a:effectRef>
+          <a:fontRef idx="minor">
+            <a:schemeClr val="dk1"/>
+          </a:fontRef>
+        </p:style>
+        <p:txBody>
+          <a:bodyPr rtlCol="0" anchor="ctr"/>
+          <a:lstStyle/>
+          <a:p>
+            <a:pPr algn="ctr"/>
+            <a:endParaRPr lang="en-US" dirty="0"/>
+          </a:p>
+        </p:txBody>
+      </p:sp>
+    </p:spTree>
+    <p:extLst>
+      <p:ext uri="{BB962C8B-B14F-4D97-AF65-F5344CB8AC3E}">
+        <p14:creationId xmlns:p14="http://schemas.microsoft.com/office/powerpoint/2010/main" val="921554067"/>
+      </p:ext>
+    </p:extLst>
+  </p:cSld>
+  <p:clrMapOvr>
+    <a:masterClrMapping/>
+  </p:clrMapOvr>
+  <p:timing>
+    <p:tnLst>
+      <p:par>
+        <p:cTn id="1" dur="indefinite" restart="never" nodeType="tmRoot"/>
+      </p:par>
+    </p:tnLst>
+  </p:timing>
+</p:sld>
+</file>
+
+<file path=ppt/slides/slide9.xml><?xml version="1.0" encoding="utf-8"?>
+<p:sld xmlns:a="http://schemas.openxmlformats.org/drawingml/2006/main" xmlns:r="http://schemas.openxmlformats.org/officeDocument/2006/relationships" xmlns:p="http://schemas.openxmlformats.org/presentationml/2006/main">
+  <p:cSld>
+    <p:spTree>
+      <p:nvGrpSpPr>
+        <p:cNvPr id="1" name=""/>
+        <p:cNvGrpSpPr/>
+        <p:nvPr/>
+      </p:nvGrpSpPr>
+      <p:grpSpPr>
+        <a:xfrm>
+          <a:off x="0" y="0"/>
+          <a:ext cx="0" cy="0"/>
+          <a:chOff x="0" y="0"/>
+          <a:chExt cx="0" cy="0"/>
+        </a:xfrm>
+      </p:grpSpPr>
+      <p:sp>
+        <p:nvSpPr>
+          <p:cNvPr id="4" name="Rectangle 3"/>
+          <p:cNvSpPr>
+            <a:spLocks noChangeAspect="1"/>
+          </p:cNvSpPr>
+          <p:nvPr/>
+        </p:nvSpPr>
+        <p:spPr>
+          <a:xfrm>
+            <a:off x="5986272" y="3319272"/>
+            <a:ext cx="214884" cy="214884"/>
+          </a:xfrm>
+          <a:prstGeom prst="rect">
+            <a:avLst/>
+          </a:prstGeom>
+          <a:ln/>
+        </p:spPr>
+        <p:style>
+          <a:lnRef idx="2">
+            <a:schemeClr val="dk1"/>
+          </a:lnRef>
+          <a:fillRef idx="1">
+            <a:schemeClr val="lt1"/>
+          </a:fillRef>
+          <a:effectRef idx="0">
+            <a:schemeClr val="dk1"/>
+          </a:effectRef>
+          <a:fontRef idx="minor">
+            <a:schemeClr val="dk1"/>
+          </a:fontRef>
+        </p:style>
+        <p:txBody>
+          <a:bodyPr rtlCol="0" anchor="ctr"/>
+          <a:lstStyle/>
+          <a:p>
+            <a:pPr algn="ctr"/>
+            <a:endParaRPr lang="en-US" dirty="0"/>
+          </a:p>
+        </p:txBody>
+      </p:sp>
+    </p:spTree>
+    <p:extLst>
+      <p:ext uri="{BB962C8B-B14F-4D97-AF65-F5344CB8AC3E}">
+        <p14:creationId xmlns:p14="http://schemas.microsoft.com/office/powerpoint/2010/main" val="2946836014"/>
       </p:ext>
     </p:extLst>
   </p:cSld>
